--- a/print/precal2_6_01.pptx
+++ b/print/precal2_6_01.pptx
@@ -6378,8 +6378,8 @@
         </p:nvSpPr>
         <p:spPr>
           <a:xfrm>
-            <a:off x="1899971" y="411575"/>
-            <a:ext cx="6923930" cy="609043"/>
+            <a:off x="1914063" y="129739"/>
+            <a:ext cx="6923930" cy="609044"/>
           </a:xfrm>
           <a:prstGeom prst="rect">
             <a:avLst/>
@@ -6408,8 +6408,8 @@
         </p:nvSpPr>
         <p:spPr>
           <a:xfrm>
-            <a:off x="4645355" y="1821658"/>
-            <a:ext cx="3486663" cy="1119982"/>
+            <a:off x="220536" y="3545910"/>
+            <a:ext cx="3183430" cy="1129054"/>
           </a:xfrm>
           <a:prstGeom prst="rect">
             <a:avLst/>
@@ -6568,7 +6568,7 @@
         </p:nvSpPr>
         <p:spPr>
           <a:xfrm>
-            <a:off x="1874784" y="1203437"/>
+            <a:off x="1874784" y="710225"/>
             <a:ext cx="4214101" cy="431801"/>
           </a:xfrm>
           <a:prstGeom prst="rect">
@@ -6629,8 +6629,8 @@
         </p:nvSpPr>
         <p:spPr>
           <a:xfrm>
-            <a:off x="2238503" y="3229709"/>
-            <a:ext cx="3486663" cy="1393850"/>
+            <a:off x="209287" y="1824407"/>
+            <a:ext cx="3205928" cy="1393850"/>
           </a:xfrm>
           <a:prstGeom prst="rect">
             <a:avLst/>
@@ -7109,148 +7109,35 @@
           </a:p>
         </p:txBody>
       </p:sp>
-      <p:sp>
-        <p:nvSpPr>
-          <p:cNvPr id="207" name="Identity matrix…"/>
-          <p:cNvSpPr txBox="1"/>
+      <p:pic>
+        <p:nvPicPr>
+          <p:cNvPr id="207" name="Image" descr="Image"/>
+          <p:cNvPicPr>
+            <a:picLocks noChangeAspect="1"/>
+          </p:cNvPicPr>
           <p:nvPr/>
-        </p:nvSpPr>
+        </p:nvPicPr>
+        <p:blipFill>
+          <a:blip r:embed="rId3">
+            <a:extLst/>
+          </a:blip>
+          <a:stretch>
+            <a:fillRect/>
+          </a:stretch>
+        </p:blipFill>
         <p:spPr>
           <a:xfrm>
-            <a:off x="1518199" y="1916957"/>
-            <a:ext cx="2239314" cy="1024683"/>
+            <a:off x="3545859" y="1240294"/>
+            <a:ext cx="4981150" cy="3254110"/>
           </a:xfrm>
           <a:prstGeom prst="rect">
             <a:avLst/>
           </a:prstGeom>
           <a:ln w="12700">
-            <a:solidFill>
-              <a:srgbClr val="000000"/>
-            </a:solidFill>
             <a:miter lim="400000"/>
           </a:ln>
-          <a:extLst>
-            <a:ext uri="{C572A759-6A51-4108-AA02-DFA0A04FC94B}">
-              <ma14:wrappingTextBoxFlag xmlns:ma14="http://schemas.microsoft.com/office/mac/drawingml/2011/main" val="1"/>
-            </a:ext>
-          </a:extLst>
-        </p:spPr>
-        <p:txBody>
-          <a:bodyPr lIns="0" tIns="0" rIns="0" bIns="0">
-            <a:spAutoFit/>
-          </a:bodyPr>
-          <a:lstStyle/>
-          <a:p>
-            <a:pPr>
-              <a:defRPr sz="1100">
-                <a:solidFill>
-                  <a:srgbClr val="011D57"/>
-                </a:solidFill>
-              </a:defRPr>
-            </a:pPr>
-            <a:r>
-              <a:t>Identity matrix</a:t>
-            </a:r>
-          </a:p>
-          <a:p>
-            <a:pPr>
-              <a:defRPr sz="1100"/>
-            </a:pPr>
-            <a:r>
-              <a:t>An </a:t>
-            </a:r>
-            <a14:m>
-              <m:oMath>
-                <m:r>
-                  <a:rPr xmlns:a="http://schemas.openxmlformats.org/drawingml/2006/main" sz="1300" i="1">
-                    <a:solidFill>
-                      <a:srgbClr val="F46524"/>
-                    </a:solidFill>
-                    <a:latin typeface="Cambria Math" panose="02040503050406030204" pitchFamily="18" charset="0"/>
-                  </a:rPr>
-                  <m:t>n</m:t>
-                </m:r>
-                <m:r>
-                  <a:rPr xmlns:a="http://schemas.openxmlformats.org/drawingml/2006/main" sz="1300" i="1">
-                    <a:solidFill>
-                      <a:srgbClr val="F46524"/>
-                    </a:solidFill>
-                    <a:latin typeface="Cambria Math" panose="02040503050406030204" pitchFamily="18" charset="0"/>
-                  </a:rPr>
-                  <m:t>×</m:t>
-                </m:r>
-                <m:r>
-                  <a:rPr xmlns:a="http://schemas.openxmlformats.org/drawingml/2006/main" sz="1300" i="1">
-                    <a:solidFill>
-                      <a:srgbClr val="F46524"/>
-                    </a:solidFill>
-                    <a:latin typeface="Cambria Math" panose="02040503050406030204" pitchFamily="18" charset="0"/>
-                  </a:rPr>
-                  <m:t>n</m:t>
-                </m:r>
-              </m:oMath>
-            </a14:m>
-            <a:r>
-              <a:t> matrix with 1s on its main diagonal and zeros everywhere else.  Denoted by </a:t>
-            </a:r>
-            <a14:m>
-              <m:oMath>
-                <m:r>
-                  <a:rPr xmlns:a="http://schemas.openxmlformats.org/drawingml/2006/main" sz="1100" i="1">
-                    <a:solidFill>
-                      <a:srgbClr val="F46524"/>
-                    </a:solidFill>
-                    <a:latin typeface="Cambria Math" panose="02040503050406030204" pitchFamily="18" charset="0"/>
-                  </a:rPr>
-                  <m:t>I</m:t>
-                </m:r>
-              </m:oMath>
-            </a14:m>
-            <a:r>
-              <a:t>. Multiplying any compatible matrix </a:t>
-            </a:r>
-            <a14:m>
-              <m:oMath>
-                <m:r>
-                  <a:rPr xmlns:a="http://schemas.openxmlformats.org/drawingml/2006/main" sz="1300" i="1">
-                    <a:solidFill>
-                      <a:srgbClr val="F46524"/>
-                    </a:solidFill>
-                    <a:latin typeface="Cambria Math" panose="02040503050406030204" pitchFamily="18" charset="0"/>
-                  </a:rPr>
-                  <m:t>A</m:t>
-                </m:r>
-              </m:oMath>
-            </a14:m>
-            <a:r>
-              <a:t> by </a:t>
-            </a:r>
-            <a14:m>
-              <m:oMath>
-                <m:r>
-                  <a:rPr xmlns:a="http://schemas.openxmlformats.org/drawingml/2006/main" sz="1100" i="1">
-                    <a:solidFill>
-                      <a:srgbClr val="F46524"/>
-                    </a:solidFill>
-                    <a:latin typeface="Cambria Math" panose="02040503050406030204" pitchFamily="18" charset="0"/>
-                  </a:rPr>
-                  <m:t>I</m:t>
-                </m:r>
-              </m:oMath>
-            </a14:m>
-            <a:r>
-              <a:t> results in the original matrix </a:t>
-            </a:r>
-            <a:r>
-              <a:rPr i="1"/>
-              <a:t>A</a:t>
-            </a:r>
-            <a:r>
-              <a:t>.</a:t>
-            </a:r>
-          </a:p>
-        </p:txBody>
-      </p:sp>
+        </p:spPr>
+      </p:pic>
     </p:spTree>
   </p:cSld>
   <p:clrMapOvr>
@@ -7290,7 +7177,7 @@
                                       <p:cBhvr>
                                         <p:cTn id="6" fill="hold"/>
                                         <p:tgtEl>
-                                          <p:spTgt spid="207"/>
+                                          <p:spTgt spid="206"/>
                                         </p:tgtEl>
                                         <p:attrNameLst>
                                           <p:attrName>style.visibility</p:attrName>
@@ -7334,7 +7221,39 @@
                                       <p:cBhvr>
                                         <p:cTn id="10" fill="hold"/>
                                         <p:tgtEl>
-                                          <p:spTgt spid="206"/>
+                                          <p:spTgt spid="204">
+                                            <p:bg/>
+                                          </p:spTgt>
+                                        </p:tgtEl>
+                                        <p:attrNameLst>
+                                          <p:attrName>style.visibility</p:attrName>
+                                        </p:attrNameLst>
+                                      </p:cBhvr>
+                                      <p:to>
+                                        <p:strVal val="visible"/>
+                                      </p:to>
+                                    </p:set>
+                                  </p:childTnLst>
+                                </p:cTn>
+                              </p:par>
+                              <p:par>
+                                <p:cTn id="11" presetClass="entr" nodeType="withEffect" presetSubtype="0" presetID="1" grpId="2" fill="hold">
+                                  <p:stCondLst>
+                                    <p:cond delay="0"/>
+                                  </p:stCondLst>
+                                  <p:iterate type="el" backwards="0">
+                                    <p:tmAbs val="0"/>
+                                  </p:iterate>
+                                  <p:childTnLst>
+                                    <p:set>
+                                      <p:cBhvr>
+                                        <p:cTn id="12" fill="hold"/>
+                                        <p:tgtEl>
+                                          <p:spTgt spid="204">
+                                            <p:txEl>
+                                              <p:pRg st="0" end="0"/>
+                                            </p:txEl>
+                                          </p:spTgt>
                                         </p:tgtEl>
                                         <p:attrNameLst>
                                           <p:attrName>style.visibility</p:attrName>
@@ -7354,47 +7273,19 @@
                     </p:cTn>
                   </p:par>
                   <p:par>
-                    <p:cTn id="11" fill="hold">
+                    <p:cTn id="13" fill="hold">
                       <p:stCondLst>
                         <p:cond delay="indefinite"/>
                       </p:stCondLst>
                       <p:childTnLst>
                         <p:par>
-                          <p:cTn id="12" fill="hold">
+                          <p:cTn id="14" fill="hold">
                             <p:stCondLst>
                               <p:cond delay="0"/>
                             </p:stCondLst>
                             <p:childTnLst>
                               <p:par>
-                                <p:cTn id="13" presetClass="entr" nodeType="clickEffect" presetSubtype="0" presetID="1" grpId="3" fill="hold">
-                                  <p:stCondLst>
-                                    <p:cond delay="0"/>
-                                  </p:stCondLst>
-                                  <p:iterate type="el" backwards="0">
-                                    <p:tmAbs val="0"/>
-                                  </p:iterate>
-                                  <p:childTnLst>
-                                    <p:set>
-                                      <p:cBhvr>
-                                        <p:cTn id="14" fill="hold"/>
-                                        <p:tgtEl>
-                                          <p:spTgt spid="204">
-                                            <p:bg/>
-                                          </p:spTgt>
-                                        </p:tgtEl>
-                                        <p:attrNameLst>
-                                          <p:attrName>style.visibility</p:attrName>
-                                        </p:attrNameLst>
-                                      </p:cBhvr>
-                                      <p:to>
-                                        <p:strVal val="visible"/>
-                                      </p:to>
-                                    </p:set>
-                                  </p:childTnLst>
-                                </p:cTn>
-                              </p:par>
-                              <p:par>
-                                <p:cTn id="15" presetClass="entr" nodeType="withEffect" presetSubtype="0" presetID="1" grpId="3" fill="hold">
+                                <p:cTn id="15" presetClass="entr" nodeType="clickEffect" presetSubtype="0" presetID="1" grpId="2" fill="hold">
                                   <p:stCondLst>
                                     <p:cond delay="0"/>
                                   </p:stCondLst>
@@ -7408,7 +7299,7 @@
                                         <p:tgtEl>
                                           <p:spTgt spid="204">
                                             <p:txEl>
-                                              <p:pRg st="0" end="0"/>
+                                              <p:pRg st="1" end="1"/>
                                             </p:txEl>
                                           </p:spTgt>
                                         </p:tgtEl>
@@ -7442,7 +7333,7 @@
                             </p:stCondLst>
                             <p:childTnLst>
                               <p:par>
-                                <p:cTn id="19" presetClass="entr" nodeType="clickEffect" presetSubtype="0" presetID="1" grpId="3" fill="hold">
+                                <p:cTn id="19" presetClass="entr" nodeType="clickEffect" presetSubtype="0" presetID="1" grpId="2" fill="hold">
                                   <p:stCondLst>
                                     <p:cond delay="0"/>
                                   </p:stCondLst>
@@ -7456,7 +7347,7 @@
                                         <p:tgtEl>
                                           <p:spTgt spid="204">
                                             <p:txEl>
-                                              <p:pRg st="1" end="1"/>
+                                              <p:pRg st="2" end="2"/>
                                             </p:txEl>
                                           </p:spTgt>
                                         </p:tgtEl>
@@ -7502,11 +7393,7 @@
                                       <p:cBhvr>
                                         <p:cTn id="24" fill="hold"/>
                                         <p:tgtEl>
-                                          <p:spTgt spid="204">
-                                            <p:txEl>
-                                              <p:pRg st="2" end="2"/>
-                                            </p:txEl>
-                                          </p:spTgt>
+                                          <p:spTgt spid="207"/>
                                         </p:tgtEl>
                                         <p:attrNameLst>
                                           <p:attrName>style.visibility</p:attrName>
@@ -7547,9 +7434,9 @@
       </p:par>
     </p:tnLst>
     <p:bldLst>
-      <p:bldP build="whole" bldLvl="1" animBg="1" rev="0" advAuto="0" spid="207" grpId="1"/>
-      <p:bldP build="p" bldLvl="5" animBg="1" rev="0" advAuto="0" spid="204" grpId="3"/>
-      <p:bldP build="whole" bldLvl="1" animBg="1" rev="0" advAuto="0" spid="206" grpId="2"/>
+      <p:bldP build="whole" bldLvl="1" animBg="1" rev="0" advAuto="0" spid="206" grpId="1"/>
+      <p:bldP build="p" bldLvl="5" animBg="1" rev="0" advAuto="0" spid="204" grpId="2"/>
+      <p:bldP build="whole" bldLvl="1" animBg="1" rev="0" advAuto="0" spid="207" grpId="3"/>
     </p:bldLst>
   </p:timing>
 </p:sld>
